--- a/6 - Deep Learning/DeepLearning.pptx
+++ b/6 - Deep Learning/DeepLearning.pptx
@@ -5,7 +5,7 @@
     <p:sldMasterId id="2147483659" r:id="rId1"/>
   </p:sldMasterIdLst>
   <p:notesMasterIdLst>
-    <p:notesMasterId r:id="rId14"/>
+    <p:notesMasterId r:id="rId19"/>
   </p:notesMasterIdLst>
   <p:sldIdLst>
     <p:sldId id="256" r:id="rId2"/>
@@ -20,30 +20,42 @@
     <p:sldId id="470" r:id="rId11"/>
     <p:sldId id="466" r:id="rId12"/>
     <p:sldId id="471" r:id="rId13"/>
+    <p:sldId id="472" r:id="rId14"/>
+    <p:sldId id="473" r:id="rId15"/>
+    <p:sldId id="475" r:id="rId16"/>
+    <p:sldId id="474" r:id="rId17"/>
+    <p:sldId id="476" r:id="rId18"/>
   </p:sldIdLst>
   <p:sldSz cx="9144000" cy="5143500" type="screen16x9"/>
   <p:notesSz cx="6858000" cy="9144000"/>
   <p:embeddedFontLst>
     <p:embeddedFont>
-      <p:font typeface="Lato" panose="020B0604020202020204" charset="0"/>
-      <p:regular r:id="rId15"/>
-      <p:bold r:id="rId16"/>
-      <p:italic r:id="rId17"/>
-      <p:boldItalic r:id="rId18"/>
+      <p:font typeface="Consolas" panose="020B0609020204030204" pitchFamily="49" charset="0"/>
+      <p:regular r:id="rId20"/>
+      <p:bold r:id="rId21"/>
+      <p:italic r:id="rId22"/>
+      <p:boldItalic r:id="rId23"/>
+    </p:embeddedFont>
+    <p:embeddedFont>
+      <p:font typeface="Lato" panose="020F0502020204030203" pitchFamily="34" charset="0"/>
+      <p:regular r:id="rId24"/>
+      <p:bold r:id="rId25"/>
+      <p:italic r:id="rId26"/>
+      <p:boldItalic r:id="rId27"/>
     </p:embeddedFont>
     <p:embeddedFont>
       <p:font typeface="Raleway" panose="020B0604020202020204" charset="0"/>
-      <p:regular r:id="rId19"/>
-      <p:bold r:id="rId20"/>
-      <p:italic r:id="rId21"/>
-      <p:boldItalic r:id="rId22"/>
+      <p:regular r:id="rId28"/>
+      <p:bold r:id="rId29"/>
+      <p:italic r:id="rId30"/>
+      <p:boldItalic r:id="rId31"/>
     </p:embeddedFont>
     <p:embeddedFont>
       <p:font typeface="Segoe UI" panose="020B0502040204020203" pitchFamily="34" charset="0"/>
-      <p:regular r:id="rId23"/>
-      <p:bold r:id="rId24"/>
-      <p:italic r:id="rId25"/>
-      <p:boldItalic r:id="rId26"/>
+      <p:regular r:id="rId32"/>
+      <p:bold r:id="rId33"/>
+      <p:italic r:id="rId34"/>
+      <p:boldItalic r:id="rId35"/>
     </p:embeddedFont>
   </p:embeddedFontLst>
   <p:defaultTextStyle>
@@ -13818,7 +13830,7 @@
           <a:p>
             <a:fld id="{123CBCE9-0914-4950-A986-7596C92667F1}" type="datetime1">
               <a:rPr lang="en-US" smtClean="0"/>
-              <a:t>4/2/2019</a:t>
+              <a:t>4/9/2019</a:t>
             </a:fld>
             <a:endParaRPr lang="en-US"/>
           </a:p>
@@ -16110,6 +16122,1648 @@
 </p:sld>
 </file>
 
+<file path=ppt/slides/slide13.xml><?xml version="1.0" encoding="utf-8"?>
+<p:sld xmlns:a="http://schemas.openxmlformats.org/drawingml/2006/main" xmlns:r="http://schemas.openxmlformats.org/officeDocument/2006/relationships" xmlns:p="http://schemas.openxmlformats.org/presentationml/2006/main">
+  <p:cSld>
+    <p:spTree>
+      <p:nvGrpSpPr>
+        <p:cNvPr id="1" name=""/>
+        <p:cNvGrpSpPr/>
+        <p:nvPr/>
+      </p:nvGrpSpPr>
+      <p:grpSpPr>
+        <a:xfrm>
+          <a:off x="0" y="0"/>
+          <a:ext cx="0" cy="0"/>
+          <a:chOff x="0" y="0"/>
+          <a:chExt cx="0" cy="0"/>
+        </a:xfrm>
+      </p:grpSpPr>
+      <p:sp>
+        <p:nvSpPr>
+          <p:cNvPr id="2" name="Title 1">
+            <a:extLst>
+              <a:ext uri="{FF2B5EF4-FFF2-40B4-BE49-F238E27FC236}">
+                <a16:creationId xmlns:a16="http://schemas.microsoft.com/office/drawing/2014/main" id="{26AA9D18-84D1-4182-8126-16FF9AB9997B}"/>
+              </a:ext>
+            </a:extLst>
+          </p:cNvPr>
+          <p:cNvSpPr>
+            <a:spLocks noGrp="1"/>
+          </p:cNvSpPr>
+          <p:nvPr>
+            <p:ph type="title"/>
+          </p:nvPr>
+        </p:nvSpPr>
+        <p:spPr/>
+        <p:txBody>
+          <a:bodyPr/>
+          <a:lstStyle/>
+          <a:p>
+            <a:r>
+              <a:rPr lang="en-US" dirty="0" err="1">
+                <a:solidFill>
+                  <a:schemeClr val="accent5">
+                    <a:lumMod val="50000"/>
+                  </a:schemeClr>
+                </a:solidFill>
+              </a:rPr>
+              <a:t>Keras</a:t>
+            </a:r>
+            <a:r>
+              <a:rPr lang="en-US" dirty="0"/>
+              <a:t> Model Walkthrough</a:t>
+            </a:r>
+          </a:p>
+        </p:txBody>
+      </p:sp>
+      <p:sp>
+        <p:nvSpPr>
+          <p:cNvPr id="3" name="Subtitle 2">
+            <a:extLst>
+              <a:ext uri="{FF2B5EF4-FFF2-40B4-BE49-F238E27FC236}">
+                <a16:creationId xmlns:a16="http://schemas.microsoft.com/office/drawing/2014/main" id="{8D2A8ABF-4FD7-48E0-9213-F78F02E46B5A}"/>
+              </a:ext>
+            </a:extLst>
+          </p:cNvPr>
+          <p:cNvSpPr>
+            <a:spLocks noGrp="1"/>
+          </p:cNvSpPr>
+          <p:nvPr>
+            <p:ph type="subTitle" idx="1"/>
+          </p:nvPr>
+        </p:nvSpPr>
+        <p:spPr/>
+        <p:txBody>
+          <a:bodyPr/>
+          <a:lstStyle/>
+          <a:p>
+            <a:endParaRPr lang="en-US"/>
+          </a:p>
+        </p:txBody>
+      </p:sp>
+      <p:sp>
+        <p:nvSpPr>
+          <p:cNvPr id="4" name="Text Placeholder 3">
+            <a:extLst>
+              <a:ext uri="{FF2B5EF4-FFF2-40B4-BE49-F238E27FC236}">
+                <a16:creationId xmlns:a16="http://schemas.microsoft.com/office/drawing/2014/main" id="{A6122A00-8953-4DF5-B444-750C42D574B8}"/>
+              </a:ext>
+            </a:extLst>
+          </p:cNvPr>
+          <p:cNvSpPr>
+            <a:spLocks noGrp="1"/>
+          </p:cNvSpPr>
+          <p:nvPr>
+            <p:ph type="body" idx="2"/>
+          </p:nvPr>
+        </p:nvSpPr>
+        <p:spPr/>
+        <p:txBody>
+          <a:bodyPr/>
+          <a:lstStyle/>
+          <a:p>
+            <a:r>
+              <a:rPr lang="en-US" dirty="0"/>
+              <a:t>IMDB Dataset</a:t>
+            </a:r>
+          </a:p>
+          <a:p>
+            <a:r>
+              <a:rPr lang="en-US" dirty="0"/>
+              <a:t>Models and Compiling</a:t>
+            </a:r>
+          </a:p>
+          <a:p>
+            <a:r>
+              <a:rPr lang="en-US" dirty="0"/>
+              <a:t>Layers</a:t>
+            </a:r>
+          </a:p>
+          <a:p>
+            <a:r>
+              <a:rPr lang="en-US" dirty="0"/>
+              <a:t>Fit, Save, and Show</a:t>
+            </a:r>
+          </a:p>
+          <a:p>
+            <a:endParaRPr lang="en-US" dirty="0"/>
+          </a:p>
+        </p:txBody>
+      </p:sp>
+    </p:spTree>
+    <p:extLst>
+      <p:ext uri="{BB962C8B-B14F-4D97-AF65-F5344CB8AC3E}">
+        <p14:creationId xmlns:p14="http://schemas.microsoft.com/office/powerpoint/2010/main" val="3013990021"/>
+      </p:ext>
+    </p:extLst>
+  </p:cSld>
+  <p:clrMapOvr>
+    <a:masterClrMapping/>
+  </p:clrMapOvr>
+</p:sld>
+</file>
+
+<file path=ppt/slides/slide14.xml><?xml version="1.0" encoding="utf-8"?>
+<p:sld xmlns:a="http://schemas.openxmlformats.org/drawingml/2006/main" xmlns:r="http://schemas.openxmlformats.org/officeDocument/2006/relationships" xmlns:p="http://schemas.openxmlformats.org/presentationml/2006/main">
+  <p:cSld>
+    <p:spTree>
+      <p:nvGrpSpPr>
+        <p:cNvPr id="1" name=""/>
+        <p:cNvGrpSpPr/>
+        <p:nvPr/>
+      </p:nvGrpSpPr>
+      <p:grpSpPr>
+        <a:xfrm>
+          <a:off x="0" y="0"/>
+          <a:ext cx="0" cy="0"/>
+          <a:chOff x="0" y="0"/>
+          <a:chExt cx="0" cy="0"/>
+        </a:xfrm>
+      </p:grpSpPr>
+      <p:sp>
+        <p:nvSpPr>
+          <p:cNvPr id="2" name="Title 1">
+            <a:extLst>
+              <a:ext uri="{FF2B5EF4-FFF2-40B4-BE49-F238E27FC236}">
+                <a16:creationId xmlns:a16="http://schemas.microsoft.com/office/drawing/2014/main" id="{35E3A541-8DEE-4CCE-A0C3-AAE937B92BA2}"/>
+              </a:ext>
+            </a:extLst>
+          </p:cNvPr>
+          <p:cNvSpPr>
+            <a:spLocks noGrp="1"/>
+          </p:cNvSpPr>
+          <p:nvPr>
+            <p:ph type="title"/>
+          </p:nvPr>
+        </p:nvSpPr>
+        <p:spPr>
+          <a:xfrm>
+            <a:off x="319500" y="490496"/>
+            <a:ext cx="2808000" cy="677904"/>
+          </a:xfrm>
+        </p:spPr>
+        <p:txBody>
+          <a:bodyPr/>
+          <a:lstStyle/>
+          <a:p>
+            <a:r>
+              <a:rPr lang="en-US" dirty="0"/>
+              <a:t>IMDB Dataset</a:t>
+            </a:r>
+          </a:p>
+        </p:txBody>
+      </p:sp>
+      <p:sp>
+        <p:nvSpPr>
+          <p:cNvPr id="3" name="Text Placeholder 2">
+            <a:extLst>
+              <a:ext uri="{FF2B5EF4-FFF2-40B4-BE49-F238E27FC236}">
+                <a16:creationId xmlns:a16="http://schemas.microsoft.com/office/drawing/2014/main" id="{564292F0-5096-4FC8-BDCD-D7840AF579A8}"/>
+              </a:ext>
+            </a:extLst>
+          </p:cNvPr>
+          <p:cNvSpPr>
+            <a:spLocks noGrp="1"/>
+          </p:cNvSpPr>
+          <p:nvPr>
+            <p:ph type="body" idx="1"/>
+          </p:nvPr>
+        </p:nvSpPr>
+        <p:spPr>
+          <a:xfrm>
+            <a:off x="319500" y="1168400"/>
+            <a:ext cx="2808000" cy="3484604"/>
+          </a:xfrm>
+        </p:spPr>
+        <p:txBody>
+          <a:bodyPr/>
+          <a:lstStyle/>
+          <a:p>
+            <a:pPr marL="152400" indent="0">
+              <a:buNone/>
+            </a:pPr>
+            <a:r>
+              <a:rPr lang="en-US" dirty="0"/>
+              <a:t>Dataset of 25,000 movies reviews from IMDB, labeled by sentiment (positive/negative). Reviews have been preprocessed, and each review is encoded as a sequence of word indexes (integers).</a:t>
+            </a:r>
+          </a:p>
+          <a:p>
+            <a:pPr marL="152400" indent="0">
+              <a:buNone/>
+            </a:pPr>
+            <a:endParaRPr lang="en-US" dirty="0"/>
+          </a:p>
+          <a:p>
+            <a:pPr marL="152400" indent="0">
+              <a:buNone/>
+            </a:pPr>
+            <a:r>
+              <a:rPr lang="en-US" dirty="0"/>
+              <a:t>For convenience, words are indexed by overall frequency in the dataset, so that for instance the integer "3" encodes the 3rd most frequent word in the data. This allows for quick filtering operations such as: "only consider the top 10,000 most common words, but eliminate the top 20 most common words".</a:t>
+            </a:r>
+          </a:p>
+        </p:txBody>
+      </p:sp>
+      <p:pic>
+        <p:nvPicPr>
+          <p:cNvPr id="4" name="Picture 3">
+            <a:extLst>
+              <a:ext uri="{FF2B5EF4-FFF2-40B4-BE49-F238E27FC236}">
+                <a16:creationId xmlns:a16="http://schemas.microsoft.com/office/drawing/2014/main" id="{27AB3C07-82C1-4B55-B989-200FCD8E8224}"/>
+              </a:ext>
+            </a:extLst>
+          </p:cNvPr>
+          <p:cNvPicPr>
+            <a:picLocks noChangeAspect="1"/>
+          </p:cNvPicPr>
+          <p:nvPr/>
+        </p:nvPicPr>
+        <p:blipFill>
+          <a:blip r:embed="rId2"/>
+          <a:stretch>
+            <a:fillRect/>
+          </a:stretch>
+        </p:blipFill>
+        <p:spPr>
+          <a:xfrm>
+            <a:off x="3597268" y="1351281"/>
+            <a:ext cx="4997464" cy="2440938"/>
+          </a:xfrm>
+          <a:prstGeom prst="rect">
+            <a:avLst/>
+          </a:prstGeom>
+        </p:spPr>
+      </p:pic>
+    </p:spTree>
+    <p:extLst>
+      <p:ext uri="{BB962C8B-B14F-4D97-AF65-F5344CB8AC3E}">
+        <p14:creationId xmlns:p14="http://schemas.microsoft.com/office/powerpoint/2010/main" val="3006790264"/>
+      </p:ext>
+    </p:extLst>
+  </p:cSld>
+  <p:clrMapOvr>
+    <a:masterClrMapping/>
+  </p:clrMapOvr>
+</p:sld>
+</file>
+
+<file path=ppt/slides/slide15.xml><?xml version="1.0" encoding="utf-8"?>
+<p:sld xmlns:a="http://schemas.openxmlformats.org/drawingml/2006/main" xmlns:r="http://schemas.openxmlformats.org/officeDocument/2006/relationships" xmlns:p="http://schemas.openxmlformats.org/presentationml/2006/main">
+  <p:cSld>
+    <p:spTree>
+      <p:nvGrpSpPr>
+        <p:cNvPr id="1" name=""/>
+        <p:cNvGrpSpPr/>
+        <p:nvPr/>
+      </p:nvGrpSpPr>
+      <p:grpSpPr>
+        <a:xfrm>
+          <a:off x="0" y="0"/>
+          <a:ext cx="0" cy="0"/>
+          <a:chOff x="0" y="0"/>
+          <a:chExt cx="0" cy="0"/>
+        </a:xfrm>
+      </p:grpSpPr>
+      <p:sp>
+        <p:nvSpPr>
+          <p:cNvPr id="2" name="Title 1">
+            <a:extLst>
+              <a:ext uri="{FF2B5EF4-FFF2-40B4-BE49-F238E27FC236}">
+                <a16:creationId xmlns:a16="http://schemas.microsoft.com/office/drawing/2014/main" id="{1AB2ECF3-C2F6-470C-B4F4-7F20C04BCD16}"/>
+              </a:ext>
+            </a:extLst>
+          </p:cNvPr>
+          <p:cNvSpPr>
+            <a:spLocks noGrp="1"/>
+          </p:cNvSpPr>
+          <p:nvPr>
+            <p:ph type="title"/>
+          </p:nvPr>
+        </p:nvSpPr>
+        <p:spPr/>
+        <p:txBody>
+          <a:bodyPr/>
+          <a:lstStyle/>
+          <a:p>
+            <a:r>
+              <a:rPr lang="en-US" dirty="0"/>
+              <a:t>Models and Compiling</a:t>
+            </a:r>
+          </a:p>
+        </p:txBody>
+      </p:sp>
+      <p:sp>
+        <p:nvSpPr>
+          <p:cNvPr id="3" name="Text Placeholder 2">
+            <a:extLst>
+              <a:ext uri="{FF2B5EF4-FFF2-40B4-BE49-F238E27FC236}">
+                <a16:creationId xmlns:a16="http://schemas.microsoft.com/office/drawing/2014/main" id="{E4BDE454-1D7D-428D-9C3F-9E68CD74142E}"/>
+              </a:ext>
+            </a:extLst>
+          </p:cNvPr>
+          <p:cNvSpPr>
+            <a:spLocks noGrp="1"/>
+          </p:cNvSpPr>
+          <p:nvPr>
+            <p:ph type="body" idx="1"/>
+          </p:nvPr>
+        </p:nvSpPr>
+        <p:spPr>
+          <a:xfrm>
+            <a:off x="254000" y="1602675"/>
+            <a:ext cx="3403600" cy="3002400"/>
+          </a:xfrm>
+        </p:spPr>
+        <p:txBody>
+          <a:bodyPr/>
+          <a:lstStyle/>
+          <a:p>
+            <a:r>
+              <a:rPr lang="en-US" dirty="0"/>
+              <a:t>Sequential – a linear stack of layers. Specify input shape and then add layers</a:t>
+            </a:r>
+          </a:p>
+          <a:p>
+            <a:pPr marL="152400" indent="0">
+              <a:buNone/>
+            </a:pPr>
+            <a:endParaRPr lang="en-US" dirty="0"/>
+          </a:p>
+          <a:p>
+            <a:pPr marL="152400" indent="0">
+              <a:buNone/>
+            </a:pPr>
+            <a:r>
+              <a:rPr lang="en-US" sz="1100" dirty="0">
+                <a:latin typeface="Consolas" panose="020B0609020204030204" pitchFamily="49" charset="0"/>
+              </a:rPr>
+              <a:t>model = Sequential()</a:t>
+            </a:r>
+          </a:p>
+          <a:p>
+            <a:pPr marL="152400" indent="0">
+              <a:buNone/>
+            </a:pPr>
+            <a:r>
+              <a:rPr lang="en-US" sz="1100" dirty="0" err="1">
+                <a:latin typeface="Consolas" panose="020B0609020204030204" pitchFamily="49" charset="0"/>
+              </a:rPr>
+              <a:t>model.add</a:t>
+            </a:r>
+            <a:r>
+              <a:rPr lang="en-US" sz="1100" dirty="0">
+                <a:latin typeface="Consolas" panose="020B0609020204030204" pitchFamily="49" charset="0"/>
+              </a:rPr>
+              <a:t>(Dense(32, </a:t>
+            </a:r>
+            <a:r>
+              <a:rPr lang="en-US" sz="1100" dirty="0" err="1">
+                <a:latin typeface="Consolas" panose="020B0609020204030204" pitchFamily="49" charset="0"/>
+              </a:rPr>
+              <a:t>input_shape</a:t>
+            </a:r>
+            <a:r>
+              <a:rPr lang="en-US" sz="1100" dirty="0">
+                <a:latin typeface="Consolas" panose="020B0609020204030204" pitchFamily="49" charset="0"/>
+              </a:rPr>
+              <a:t>=(16,)))</a:t>
+            </a:r>
+          </a:p>
+          <a:p>
+            <a:pPr marL="152400" indent="0">
+              <a:buNone/>
+            </a:pPr>
+            <a:r>
+              <a:rPr lang="en-US" sz="1100" dirty="0" err="1">
+                <a:latin typeface="Consolas" panose="020B0609020204030204" pitchFamily="49" charset="0"/>
+              </a:rPr>
+              <a:t>model.add</a:t>
+            </a:r>
+            <a:r>
+              <a:rPr lang="en-US" sz="1100" dirty="0">
+                <a:latin typeface="Consolas" panose="020B0609020204030204" pitchFamily="49" charset="0"/>
+              </a:rPr>
+              <a:t>(Conv2D(64, (3,3), activation…)</a:t>
+            </a:r>
+          </a:p>
+          <a:p>
+            <a:pPr marL="152400" indent="0">
+              <a:buNone/>
+            </a:pPr>
+            <a:endParaRPr lang="en-US" sz="1100" dirty="0">
+              <a:latin typeface="Consolas" panose="020B0609020204030204" pitchFamily="49" charset="0"/>
+            </a:endParaRPr>
+          </a:p>
+        </p:txBody>
+      </p:sp>
+      <p:sp>
+        <p:nvSpPr>
+          <p:cNvPr id="4" name="Text Placeholder 3">
+            <a:extLst>
+              <a:ext uri="{FF2B5EF4-FFF2-40B4-BE49-F238E27FC236}">
+                <a16:creationId xmlns:a16="http://schemas.microsoft.com/office/drawing/2014/main" id="{2EFB6DB1-FEE7-4ECF-9AD5-BD3ED077B189}"/>
+              </a:ext>
+            </a:extLst>
+          </p:cNvPr>
+          <p:cNvSpPr>
+            <a:spLocks noGrp="1"/>
+          </p:cNvSpPr>
+          <p:nvPr>
+            <p:ph type="body" idx="2"/>
+          </p:nvPr>
+        </p:nvSpPr>
+        <p:spPr>
+          <a:xfrm>
+            <a:off x="3657600" y="1602675"/>
+            <a:ext cx="5064372" cy="3002400"/>
+          </a:xfrm>
+        </p:spPr>
+        <p:txBody>
+          <a:bodyPr/>
+          <a:lstStyle/>
+          <a:p>
+            <a:pPr>
+              <a:lnSpc>
+                <a:spcPct val="100000"/>
+              </a:lnSpc>
+            </a:pPr>
+            <a:r>
+              <a:rPr lang="en-US" dirty="0"/>
+              <a:t>Compiling – set up the performance settings of the model.</a:t>
+            </a:r>
+          </a:p>
+          <a:p>
+            <a:pPr>
+              <a:lnSpc>
+                <a:spcPct val="100000"/>
+              </a:lnSpc>
+            </a:pPr>
+            <a:r>
+              <a:rPr lang="en-US" dirty="0"/>
+              <a:t>Optimizer:</a:t>
+            </a:r>
+          </a:p>
+          <a:p>
+            <a:pPr lvl="1">
+              <a:lnSpc>
+                <a:spcPct val="100000"/>
+              </a:lnSpc>
+              <a:spcBef>
+                <a:spcPts val="0"/>
+              </a:spcBef>
+            </a:pPr>
+            <a:r>
+              <a:rPr lang="en-US" dirty="0"/>
+              <a:t>Stochastic gradient descent, </a:t>
+            </a:r>
+            <a:r>
+              <a:rPr lang="en-US" dirty="0" err="1"/>
+              <a:t>RMSprop</a:t>
+            </a:r>
+            <a:endParaRPr lang="en-US" dirty="0"/>
+          </a:p>
+          <a:p>
+            <a:pPr lvl="1">
+              <a:lnSpc>
+                <a:spcPct val="100000"/>
+              </a:lnSpc>
+              <a:spcBef>
+                <a:spcPts val="0"/>
+              </a:spcBef>
+            </a:pPr>
+            <a:r>
+              <a:rPr lang="en-US" dirty="0" err="1"/>
+              <a:t>Adagrad</a:t>
+            </a:r>
+            <a:r>
+              <a:rPr lang="en-US" dirty="0"/>
+              <a:t>, </a:t>
+            </a:r>
+            <a:r>
+              <a:rPr lang="en-US" dirty="0" err="1"/>
+              <a:t>Adadelta</a:t>
+            </a:r>
+            <a:r>
+              <a:rPr lang="en-US" dirty="0"/>
+              <a:t>, </a:t>
+            </a:r>
+            <a:r>
+              <a:rPr lang="en-US" dirty="0" err="1"/>
+              <a:t>Adamax</a:t>
+            </a:r>
+            <a:endParaRPr lang="en-US" dirty="0"/>
+          </a:p>
+          <a:p>
+            <a:pPr lvl="1">
+              <a:lnSpc>
+                <a:spcPct val="100000"/>
+              </a:lnSpc>
+              <a:spcBef>
+                <a:spcPts val="0"/>
+              </a:spcBef>
+            </a:pPr>
+            <a:r>
+              <a:rPr lang="en-US" dirty="0"/>
+              <a:t>Adam, </a:t>
+            </a:r>
+            <a:r>
+              <a:rPr lang="en-US" dirty="0" err="1"/>
+              <a:t>Nadam</a:t>
+            </a:r>
+            <a:endParaRPr lang="en-US" dirty="0"/>
+          </a:p>
+          <a:p>
+            <a:pPr>
+              <a:lnSpc>
+                <a:spcPct val="100000"/>
+              </a:lnSpc>
+            </a:pPr>
+            <a:r>
+              <a:rPr lang="en-US" dirty="0"/>
+              <a:t>Loss Function:</a:t>
+            </a:r>
+          </a:p>
+          <a:p>
+            <a:pPr lvl="1">
+              <a:lnSpc>
+                <a:spcPct val="100000"/>
+              </a:lnSpc>
+              <a:spcBef>
+                <a:spcPts val="0"/>
+              </a:spcBef>
+            </a:pPr>
+            <a:r>
+              <a:rPr lang="en-US" dirty="0"/>
+              <a:t>Mean squared error, mean absolute error, mean absolute percentage error, mean squared logarithmic error</a:t>
+            </a:r>
+          </a:p>
+          <a:p>
+            <a:pPr lvl="1">
+              <a:lnSpc>
+                <a:spcPct val="100000"/>
+              </a:lnSpc>
+              <a:spcBef>
+                <a:spcPts val="0"/>
+              </a:spcBef>
+            </a:pPr>
+            <a:r>
+              <a:rPr lang="en-US" dirty="0"/>
+              <a:t>Hinge, squared hinge</a:t>
+            </a:r>
+          </a:p>
+          <a:p>
+            <a:pPr lvl="1">
+              <a:lnSpc>
+                <a:spcPct val="100000"/>
+              </a:lnSpc>
+              <a:spcBef>
+                <a:spcPts val="0"/>
+              </a:spcBef>
+            </a:pPr>
+            <a:r>
+              <a:rPr lang="en-US" dirty="0" err="1"/>
+              <a:t>Kullback-Leibler</a:t>
+            </a:r>
+            <a:r>
+              <a:rPr lang="en-US" dirty="0"/>
+              <a:t> divergence</a:t>
+            </a:r>
+          </a:p>
+          <a:p>
+            <a:pPr lvl="1">
+              <a:lnSpc>
+                <a:spcPct val="100000"/>
+              </a:lnSpc>
+              <a:spcBef>
+                <a:spcPts val="0"/>
+              </a:spcBef>
+            </a:pPr>
+            <a:r>
+              <a:rPr lang="en-US" dirty="0" err="1"/>
+              <a:t>Logcosh</a:t>
+            </a:r>
+            <a:r>
+              <a:rPr lang="en-US" dirty="0"/>
+              <a:t>, cosine proximity</a:t>
+            </a:r>
+          </a:p>
+          <a:p>
+            <a:pPr lvl="1">
+              <a:lnSpc>
+                <a:spcPct val="100000"/>
+              </a:lnSpc>
+              <a:spcBef>
+                <a:spcPts val="0"/>
+              </a:spcBef>
+            </a:pPr>
+            <a:r>
+              <a:rPr lang="en-US" dirty="0"/>
+              <a:t>Cross entropy</a:t>
+            </a:r>
+          </a:p>
+          <a:p>
+            <a:pPr>
+              <a:lnSpc>
+                <a:spcPct val="100000"/>
+              </a:lnSpc>
+            </a:pPr>
+            <a:r>
+              <a:rPr lang="en-US" dirty="0"/>
+              <a:t>Other Metrics:</a:t>
+            </a:r>
+          </a:p>
+          <a:p>
+            <a:pPr lvl="1">
+              <a:lnSpc>
+                <a:spcPct val="100000"/>
+              </a:lnSpc>
+              <a:spcBef>
+                <a:spcPts val="0"/>
+              </a:spcBef>
+            </a:pPr>
+            <a:r>
+              <a:rPr lang="en-US" dirty="0"/>
+              <a:t>Accuracy</a:t>
+            </a:r>
+          </a:p>
+        </p:txBody>
+      </p:sp>
+      <p:sp>
+        <p:nvSpPr>
+          <p:cNvPr id="5" name="Rectangle 4">
+            <a:extLst>
+              <a:ext uri="{FF2B5EF4-FFF2-40B4-BE49-F238E27FC236}">
+                <a16:creationId xmlns:a16="http://schemas.microsoft.com/office/drawing/2014/main" id="{25E8FBAE-03E8-42F8-BFD8-4531EAF77A87}"/>
+              </a:ext>
+            </a:extLst>
+          </p:cNvPr>
+          <p:cNvSpPr/>
+          <p:nvPr/>
+        </p:nvSpPr>
+        <p:spPr>
+          <a:xfrm>
+            <a:off x="6305338" y="4002822"/>
+            <a:ext cx="1816523" cy="307777"/>
+          </a:xfrm>
+          <a:prstGeom prst="rect">
+            <a:avLst/>
+          </a:prstGeom>
+        </p:spPr>
+        <p:txBody>
+          <a:bodyPr wrap="none">
+            <a:spAutoFit/>
+          </a:bodyPr>
+          <a:lstStyle/>
+          <a:p>
+            <a:pPr marL="139700"/>
+            <a:r>
+              <a:rPr lang="en-US" dirty="0" err="1">
+                <a:latin typeface="Consolas" panose="020B0609020204030204" pitchFamily="49" charset="0"/>
+              </a:rPr>
+              <a:t>model.compile</a:t>
+            </a:r>
+            <a:r>
+              <a:rPr lang="en-US" dirty="0">
+                <a:latin typeface="Consolas" panose="020B0609020204030204" pitchFamily="49" charset="0"/>
+              </a:rPr>
+              <a:t>()</a:t>
+            </a:r>
+          </a:p>
+        </p:txBody>
+      </p:sp>
+    </p:spTree>
+    <p:extLst>
+      <p:ext uri="{BB962C8B-B14F-4D97-AF65-F5344CB8AC3E}">
+        <p14:creationId xmlns:p14="http://schemas.microsoft.com/office/powerpoint/2010/main" val="3893721533"/>
+      </p:ext>
+    </p:extLst>
+  </p:cSld>
+  <p:clrMapOvr>
+    <a:masterClrMapping/>
+  </p:clrMapOvr>
+</p:sld>
+</file>
+
+<file path=ppt/slides/slide16.xml><?xml version="1.0" encoding="utf-8"?>
+<p:sld xmlns:a="http://schemas.openxmlformats.org/drawingml/2006/main" xmlns:r="http://schemas.openxmlformats.org/officeDocument/2006/relationships" xmlns:p="http://schemas.openxmlformats.org/presentationml/2006/main">
+  <p:cSld>
+    <p:spTree>
+      <p:nvGrpSpPr>
+        <p:cNvPr id="1" name=""/>
+        <p:cNvGrpSpPr/>
+        <p:nvPr/>
+      </p:nvGrpSpPr>
+      <p:grpSpPr>
+        <a:xfrm>
+          <a:off x="0" y="0"/>
+          <a:ext cx="0" cy="0"/>
+          <a:chOff x="0" y="0"/>
+          <a:chExt cx="0" cy="0"/>
+        </a:xfrm>
+      </p:grpSpPr>
+      <p:sp>
+        <p:nvSpPr>
+          <p:cNvPr id="2" name="Title 1">
+            <a:extLst>
+              <a:ext uri="{FF2B5EF4-FFF2-40B4-BE49-F238E27FC236}">
+                <a16:creationId xmlns:a16="http://schemas.microsoft.com/office/drawing/2014/main" id="{B88343FC-8472-4122-9381-EC3FCDD39ED4}"/>
+              </a:ext>
+            </a:extLst>
+          </p:cNvPr>
+          <p:cNvSpPr>
+            <a:spLocks noGrp="1"/>
+          </p:cNvSpPr>
+          <p:nvPr>
+            <p:ph type="title"/>
+          </p:nvPr>
+        </p:nvSpPr>
+        <p:spPr>
+          <a:xfrm>
+            <a:off x="319500" y="490496"/>
+            <a:ext cx="2808000" cy="627104"/>
+          </a:xfrm>
+        </p:spPr>
+        <p:txBody>
+          <a:bodyPr/>
+          <a:lstStyle/>
+          <a:p>
+            <a:r>
+              <a:rPr lang="en-US" dirty="0"/>
+              <a:t>Layers</a:t>
+            </a:r>
+          </a:p>
+        </p:txBody>
+      </p:sp>
+      <p:sp>
+        <p:nvSpPr>
+          <p:cNvPr id="3" name="Text Placeholder 2">
+            <a:extLst>
+              <a:ext uri="{FF2B5EF4-FFF2-40B4-BE49-F238E27FC236}">
+                <a16:creationId xmlns:a16="http://schemas.microsoft.com/office/drawing/2014/main" id="{2B4D7D2D-F86C-46DC-87B1-DB858C450BC8}"/>
+              </a:ext>
+            </a:extLst>
+          </p:cNvPr>
+          <p:cNvSpPr>
+            <a:spLocks noGrp="1"/>
+          </p:cNvSpPr>
+          <p:nvPr>
+            <p:ph type="body" idx="1"/>
+          </p:nvPr>
+        </p:nvSpPr>
+        <p:spPr>
+          <a:xfrm>
+            <a:off x="319500" y="1117600"/>
+            <a:ext cx="5512340" cy="3535404"/>
+          </a:xfrm>
+        </p:spPr>
+        <p:txBody>
+          <a:bodyPr/>
+          <a:lstStyle/>
+          <a:p>
+            <a:pPr marL="152400" indent="0">
+              <a:buNone/>
+            </a:pPr>
+            <a:r>
+              <a:rPr lang="en-US" dirty="0" err="1">
+                <a:latin typeface="Consolas" panose="020B0609020204030204" pitchFamily="49" charset="0"/>
+              </a:rPr>
+              <a:t>model.add</a:t>
+            </a:r>
+            <a:r>
+              <a:rPr lang="en-US" dirty="0">
+                <a:latin typeface="Consolas" panose="020B0609020204030204" pitchFamily="49" charset="0"/>
+              </a:rPr>
+              <a:t>(Embedding(</a:t>
+            </a:r>
+            <a:r>
+              <a:rPr lang="en-US" dirty="0" err="1">
+                <a:latin typeface="Consolas" panose="020B0609020204030204" pitchFamily="49" charset="0"/>
+              </a:rPr>
+              <a:t>max_features</a:t>
+            </a:r>
+            <a:r>
+              <a:rPr lang="en-US" dirty="0">
+                <a:latin typeface="Consolas" panose="020B0609020204030204" pitchFamily="49" charset="0"/>
+              </a:rPr>
+              <a:t>, 128, </a:t>
+            </a:r>
+            <a:r>
+              <a:rPr lang="en-US" dirty="0" err="1">
+                <a:latin typeface="Consolas" panose="020B0609020204030204" pitchFamily="49" charset="0"/>
+              </a:rPr>
+              <a:t>input_length</a:t>
+            </a:r>
+            <a:r>
+              <a:rPr lang="en-US" dirty="0">
+                <a:latin typeface="Consolas" panose="020B0609020204030204" pitchFamily="49" charset="0"/>
+              </a:rPr>
+              <a:t>=</a:t>
+            </a:r>
+            <a:r>
+              <a:rPr lang="en-US" dirty="0" err="1">
+                <a:latin typeface="Consolas" panose="020B0609020204030204" pitchFamily="49" charset="0"/>
+              </a:rPr>
+              <a:t>maxlen</a:t>
+            </a:r>
+            <a:r>
+              <a:rPr lang="en-US" dirty="0">
+                <a:latin typeface="Consolas" panose="020B0609020204030204" pitchFamily="49" charset="0"/>
+              </a:rPr>
+              <a:t>))</a:t>
+            </a:r>
+          </a:p>
+          <a:p>
+            <a:r>
+              <a:rPr lang="en-US" dirty="0"/>
+              <a:t>Turns positive integers (indexes) into dense vectors of fixed size.</a:t>
+            </a:r>
+          </a:p>
+          <a:p>
+            <a:pPr marL="152400" indent="0">
+              <a:buNone/>
+            </a:pPr>
+            <a:endParaRPr lang="en-US" dirty="0"/>
+          </a:p>
+          <a:p>
+            <a:pPr marL="152400" indent="0">
+              <a:buNone/>
+            </a:pPr>
+            <a:r>
+              <a:rPr lang="en-US" dirty="0" err="1">
+                <a:latin typeface="Consolas" panose="020B0609020204030204" pitchFamily="49" charset="0"/>
+              </a:rPr>
+              <a:t>model.add</a:t>
+            </a:r>
+            <a:r>
+              <a:rPr lang="en-US" dirty="0">
+                <a:latin typeface="Consolas" panose="020B0609020204030204" pitchFamily="49" charset="0"/>
+              </a:rPr>
+              <a:t>(Bidirectional(LSTM(64)))</a:t>
+            </a:r>
+          </a:p>
+          <a:p>
+            <a:r>
+              <a:rPr lang="en-US" dirty="0"/>
+              <a:t>Bidirectional means that the process can move forward and backward.</a:t>
+            </a:r>
+          </a:p>
+          <a:p>
+            <a:r>
+              <a:rPr lang="en-US" dirty="0"/>
+              <a:t>LSTM creates a ‘long short-term memory’ RNN of a specified size.</a:t>
+            </a:r>
+          </a:p>
+          <a:p>
+            <a:pPr marL="152400" indent="0">
+              <a:buNone/>
+            </a:pPr>
+            <a:endParaRPr lang="en-US" dirty="0"/>
+          </a:p>
+          <a:p>
+            <a:pPr marL="152400" indent="0">
+              <a:buNone/>
+            </a:pPr>
+            <a:r>
+              <a:rPr lang="en-US" dirty="0" err="1">
+                <a:latin typeface="Consolas" panose="020B0609020204030204" pitchFamily="49" charset="0"/>
+              </a:rPr>
+              <a:t>model.add</a:t>
+            </a:r>
+            <a:r>
+              <a:rPr lang="en-US" dirty="0">
+                <a:latin typeface="Consolas" panose="020B0609020204030204" pitchFamily="49" charset="0"/>
+              </a:rPr>
+              <a:t>(Dropout(0.5))</a:t>
+            </a:r>
+          </a:p>
+          <a:p>
+            <a:r>
+              <a:rPr lang="en-US" dirty="0"/>
+              <a:t>Dropout consists in randomly setting a fraction (rate) of input units to 0 at each update during training time, which helps prevent overfitting.</a:t>
+            </a:r>
+          </a:p>
+          <a:p>
+            <a:pPr marL="152400" indent="0">
+              <a:buNone/>
+            </a:pPr>
+            <a:endParaRPr lang="en-US" dirty="0"/>
+          </a:p>
+          <a:p>
+            <a:pPr marL="152400" indent="0">
+              <a:buNone/>
+            </a:pPr>
+            <a:r>
+              <a:rPr lang="en-US" dirty="0" err="1">
+                <a:latin typeface="Consolas" panose="020B0609020204030204" pitchFamily="49" charset="0"/>
+              </a:rPr>
+              <a:t>model.add</a:t>
+            </a:r>
+            <a:r>
+              <a:rPr lang="en-US" dirty="0">
+                <a:latin typeface="Consolas" panose="020B0609020204030204" pitchFamily="49" charset="0"/>
+              </a:rPr>
+              <a:t>(Dense(1, activation='sigmoid'))</a:t>
+            </a:r>
+          </a:p>
+          <a:p>
+            <a:r>
+              <a:rPr lang="en-US" dirty="0"/>
+              <a:t>The dense layer is fully connected layer, so all the neurons in a layer are connected to those in a next layer.</a:t>
+            </a:r>
+          </a:p>
+        </p:txBody>
+      </p:sp>
+      <p:pic>
+        <p:nvPicPr>
+          <p:cNvPr id="4" name="Picture 3">
+            <a:extLst>
+              <a:ext uri="{FF2B5EF4-FFF2-40B4-BE49-F238E27FC236}">
+                <a16:creationId xmlns:a16="http://schemas.microsoft.com/office/drawing/2014/main" id="{13B9C905-22D2-402D-B9B5-490CBBA5E5C6}"/>
+              </a:ext>
+            </a:extLst>
+          </p:cNvPr>
+          <p:cNvPicPr>
+            <a:picLocks noChangeAspect="1"/>
+          </p:cNvPicPr>
+          <p:nvPr/>
+        </p:nvPicPr>
+        <p:blipFill>
+          <a:blip r:embed="rId2"/>
+          <a:stretch>
+            <a:fillRect/>
+          </a:stretch>
+        </p:blipFill>
+        <p:spPr>
+          <a:xfrm>
+            <a:off x="6939230" y="0"/>
+            <a:ext cx="2204770" cy="5143500"/>
+          </a:xfrm>
+          <a:prstGeom prst="rect">
+            <a:avLst/>
+          </a:prstGeom>
+        </p:spPr>
+      </p:pic>
+      <p:sp>
+        <p:nvSpPr>
+          <p:cNvPr id="5" name="Rectangle 4">
+            <a:extLst>
+              <a:ext uri="{FF2B5EF4-FFF2-40B4-BE49-F238E27FC236}">
+                <a16:creationId xmlns:a16="http://schemas.microsoft.com/office/drawing/2014/main" id="{6FC8D786-F7B5-446D-B743-911CDA78EEA3}"/>
+              </a:ext>
+            </a:extLst>
+          </p:cNvPr>
+          <p:cNvSpPr/>
+          <p:nvPr/>
+        </p:nvSpPr>
+        <p:spPr>
+          <a:xfrm>
+            <a:off x="3281680" y="1986974"/>
+            <a:ext cx="4572000" cy="307777"/>
+          </a:xfrm>
+          <a:prstGeom prst="rect">
+            <a:avLst/>
+          </a:prstGeom>
+        </p:spPr>
+        <p:txBody>
+          <a:bodyPr>
+            <a:spAutoFit/>
+          </a:bodyPr>
+          <a:lstStyle/>
+          <a:p>
+            <a:endParaRPr lang="en-US" dirty="0"/>
+          </a:p>
+        </p:txBody>
+      </p:sp>
+      <p:sp>
+        <p:nvSpPr>
+          <p:cNvPr id="7" name="Rectangle 6">
+            <a:extLst>
+              <a:ext uri="{FF2B5EF4-FFF2-40B4-BE49-F238E27FC236}">
+                <a16:creationId xmlns:a16="http://schemas.microsoft.com/office/drawing/2014/main" id="{89DE179B-B6B9-4215-ACFE-CE11C43937CB}"/>
+              </a:ext>
+            </a:extLst>
+          </p:cNvPr>
+          <p:cNvSpPr/>
+          <p:nvPr/>
+        </p:nvSpPr>
+        <p:spPr>
+          <a:xfrm>
+            <a:off x="2580640" y="4653004"/>
+            <a:ext cx="4196080" cy="276999"/>
+          </a:xfrm>
+          <a:prstGeom prst="rect">
+            <a:avLst/>
+          </a:prstGeom>
+        </p:spPr>
+        <p:txBody>
+          <a:bodyPr wrap="square">
+            <a:spAutoFit/>
+          </a:bodyPr>
+          <a:lstStyle/>
+          <a:p>
+            <a:r>
+              <a:rPr lang="en-US" sz="1200" dirty="0">
+                <a:hlinkClick r:id="rId3"/>
+              </a:rPr>
+              <a:t>http://colah.github.io/posts/2015-08-Understanding-LSTMs/</a:t>
+            </a:r>
+            <a:endParaRPr lang="en-US" sz="1200" dirty="0"/>
+          </a:p>
+        </p:txBody>
+      </p:sp>
+    </p:spTree>
+    <p:extLst>
+      <p:ext uri="{BB962C8B-B14F-4D97-AF65-F5344CB8AC3E}">
+        <p14:creationId xmlns:p14="http://schemas.microsoft.com/office/powerpoint/2010/main" val="2546995150"/>
+      </p:ext>
+    </p:extLst>
+  </p:cSld>
+  <p:clrMapOvr>
+    <a:masterClrMapping/>
+  </p:clrMapOvr>
+</p:sld>
+</file>
+
+<file path=ppt/slides/slide17.xml><?xml version="1.0" encoding="utf-8"?>
+<p:sld xmlns:a="http://schemas.openxmlformats.org/drawingml/2006/main" xmlns:r="http://schemas.openxmlformats.org/officeDocument/2006/relationships" xmlns:p="http://schemas.openxmlformats.org/presentationml/2006/main">
+  <p:cSld>
+    <p:spTree>
+      <p:nvGrpSpPr>
+        <p:cNvPr id="1" name=""/>
+        <p:cNvGrpSpPr/>
+        <p:nvPr/>
+      </p:nvGrpSpPr>
+      <p:grpSpPr>
+        <a:xfrm>
+          <a:off x="0" y="0"/>
+          <a:ext cx="0" cy="0"/>
+          <a:chOff x="0" y="0"/>
+          <a:chExt cx="0" cy="0"/>
+        </a:xfrm>
+      </p:grpSpPr>
+      <p:sp>
+        <p:nvSpPr>
+          <p:cNvPr id="2" name="Title 1">
+            <a:extLst>
+              <a:ext uri="{FF2B5EF4-FFF2-40B4-BE49-F238E27FC236}">
+                <a16:creationId xmlns:a16="http://schemas.microsoft.com/office/drawing/2014/main" id="{50749D06-5F1C-457B-9EF8-2A5512C4C018}"/>
+              </a:ext>
+            </a:extLst>
+          </p:cNvPr>
+          <p:cNvSpPr>
+            <a:spLocks noGrp="1"/>
+          </p:cNvSpPr>
+          <p:nvPr>
+            <p:ph type="title"/>
+          </p:nvPr>
+        </p:nvSpPr>
+        <p:spPr>
+          <a:xfrm>
+            <a:off x="422029" y="575950"/>
+            <a:ext cx="8299821" cy="635400"/>
+          </a:xfrm>
+        </p:spPr>
+        <p:txBody>
+          <a:bodyPr/>
+          <a:lstStyle/>
+          <a:p>
+            <a:r>
+              <a:rPr lang="en-US" dirty="0"/>
+              <a:t>Fit, Save, and Show</a:t>
+            </a:r>
+          </a:p>
+        </p:txBody>
+      </p:sp>
+      <p:sp>
+        <p:nvSpPr>
+          <p:cNvPr id="4" name="Text Placeholder 3">
+            <a:extLst>
+              <a:ext uri="{FF2B5EF4-FFF2-40B4-BE49-F238E27FC236}">
+                <a16:creationId xmlns:a16="http://schemas.microsoft.com/office/drawing/2014/main" id="{1F910FBB-F152-47FF-808A-73CA2F210DCF}"/>
+              </a:ext>
+            </a:extLst>
+          </p:cNvPr>
+          <p:cNvSpPr>
+            <a:spLocks noGrp="1"/>
+          </p:cNvSpPr>
+          <p:nvPr>
+            <p:ph type="body" idx="1"/>
+          </p:nvPr>
+        </p:nvSpPr>
+        <p:spPr>
+          <a:xfrm>
+            <a:off x="422029" y="1602675"/>
+            <a:ext cx="4149972" cy="3002400"/>
+          </a:xfrm>
+        </p:spPr>
+        <p:txBody>
+          <a:bodyPr/>
+          <a:lstStyle/>
+          <a:p>
+            <a:pPr marL="139700" indent="0">
+              <a:buNone/>
+            </a:pPr>
+            <a:r>
+              <a:rPr lang="en-US" sz="1200" dirty="0" err="1">
+                <a:latin typeface="Consolas" panose="020B0609020204030204" pitchFamily="49" charset="0"/>
+              </a:rPr>
+              <a:t>model.fit</a:t>
+            </a:r>
+            <a:r>
+              <a:rPr lang="en-US" sz="1200" dirty="0">
+                <a:latin typeface="Consolas" panose="020B0609020204030204" pitchFamily="49" charset="0"/>
+              </a:rPr>
+              <a:t>(</a:t>
+            </a:r>
+            <a:r>
+              <a:rPr lang="en-US" sz="1200" dirty="0" err="1">
+                <a:latin typeface="Consolas" panose="020B0609020204030204" pitchFamily="49" charset="0"/>
+              </a:rPr>
+              <a:t>x_train</a:t>
+            </a:r>
+            <a:r>
+              <a:rPr lang="en-US" sz="1200" dirty="0">
+                <a:latin typeface="Consolas" panose="020B0609020204030204" pitchFamily="49" charset="0"/>
+              </a:rPr>
+              <a:t>, </a:t>
+            </a:r>
+            <a:r>
+              <a:rPr lang="en-US" sz="1200" dirty="0" err="1">
+                <a:latin typeface="Consolas" panose="020B0609020204030204" pitchFamily="49" charset="0"/>
+              </a:rPr>
+              <a:t>y_train</a:t>
+            </a:r>
+            <a:r>
+              <a:rPr lang="en-US" sz="1200" dirty="0">
+                <a:latin typeface="Consolas" panose="020B0609020204030204" pitchFamily="49" charset="0"/>
+              </a:rPr>
+              <a:t>,</a:t>
+            </a:r>
+          </a:p>
+          <a:p>
+            <a:pPr marL="139700" indent="0">
+              <a:buNone/>
+            </a:pPr>
+            <a:r>
+              <a:rPr lang="en-US" sz="1200" dirty="0">
+                <a:latin typeface="Consolas" panose="020B0609020204030204" pitchFamily="49" charset="0"/>
+              </a:rPr>
+              <a:t>          </a:t>
+            </a:r>
+            <a:r>
+              <a:rPr lang="en-US" sz="1200" dirty="0" err="1">
+                <a:latin typeface="Consolas" panose="020B0609020204030204" pitchFamily="49" charset="0"/>
+              </a:rPr>
+              <a:t>batch_size</a:t>
+            </a:r>
+            <a:r>
+              <a:rPr lang="en-US" sz="1200" dirty="0">
+                <a:latin typeface="Consolas" panose="020B0609020204030204" pitchFamily="49" charset="0"/>
+              </a:rPr>
+              <a:t>=</a:t>
+            </a:r>
+            <a:r>
+              <a:rPr lang="en-US" sz="1200" dirty="0" err="1">
+                <a:latin typeface="Consolas" panose="020B0609020204030204" pitchFamily="49" charset="0"/>
+              </a:rPr>
+              <a:t>batch_size</a:t>
+            </a:r>
+            <a:r>
+              <a:rPr lang="en-US" sz="1200" dirty="0">
+                <a:latin typeface="Consolas" panose="020B0609020204030204" pitchFamily="49" charset="0"/>
+              </a:rPr>
+              <a:t>,</a:t>
+            </a:r>
+          </a:p>
+          <a:p>
+            <a:pPr marL="139700" indent="0">
+              <a:buNone/>
+            </a:pPr>
+            <a:r>
+              <a:rPr lang="en-US" sz="1200" dirty="0">
+                <a:latin typeface="Consolas" panose="020B0609020204030204" pitchFamily="49" charset="0"/>
+              </a:rPr>
+              <a:t>          epochs=4,</a:t>
+            </a:r>
+          </a:p>
+          <a:p>
+            <a:pPr marL="139700" indent="0">
+              <a:buNone/>
+            </a:pPr>
+            <a:r>
+              <a:rPr lang="en-US" sz="1200" dirty="0">
+                <a:latin typeface="Consolas" panose="020B0609020204030204" pitchFamily="49" charset="0"/>
+              </a:rPr>
+              <a:t>          </a:t>
+            </a:r>
+            <a:r>
+              <a:rPr lang="en-US" sz="1200" dirty="0" err="1">
+                <a:latin typeface="Consolas" panose="020B0609020204030204" pitchFamily="49" charset="0"/>
+              </a:rPr>
+              <a:t>validation_data</a:t>
+            </a:r>
+            <a:r>
+              <a:rPr lang="en-US" sz="1200" dirty="0">
+                <a:latin typeface="Consolas" panose="020B0609020204030204" pitchFamily="49" charset="0"/>
+              </a:rPr>
+              <a:t>=[</a:t>
+            </a:r>
+            <a:r>
+              <a:rPr lang="en-US" sz="1200" dirty="0" err="1">
+                <a:latin typeface="Consolas" panose="020B0609020204030204" pitchFamily="49" charset="0"/>
+              </a:rPr>
+              <a:t>x_test</a:t>
+            </a:r>
+            <a:r>
+              <a:rPr lang="en-US" sz="1200" dirty="0">
+                <a:latin typeface="Consolas" panose="020B0609020204030204" pitchFamily="49" charset="0"/>
+              </a:rPr>
+              <a:t>, </a:t>
+            </a:r>
+            <a:r>
+              <a:rPr lang="en-US" sz="1200" dirty="0" err="1">
+                <a:latin typeface="Consolas" panose="020B0609020204030204" pitchFamily="49" charset="0"/>
+              </a:rPr>
+              <a:t>y_test</a:t>
+            </a:r>
+            <a:r>
+              <a:rPr lang="en-US" sz="1200" dirty="0">
+                <a:latin typeface="Consolas" panose="020B0609020204030204" pitchFamily="49" charset="0"/>
+              </a:rPr>
+              <a:t>])</a:t>
+            </a:r>
+          </a:p>
+          <a:p>
+            <a:pPr marL="139700" indent="0">
+              <a:buNone/>
+            </a:pPr>
+            <a:endParaRPr lang="en-US" sz="1200" dirty="0">
+              <a:latin typeface="Consolas" panose="020B0609020204030204" pitchFamily="49" charset="0"/>
+            </a:endParaRPr>
+          </a:p>
+          <a:p>
+            <a:r>
+              <a:rPr lang="en-US" dirty="0">
+                <a:latin typeface="Lato" panose="020F0502020204030203" pitchFamily="34" charset="0"/>
+                <a:ea typeface="Lato" panose="020F0502020204030203" pitchFamily="34" charset="0"/>
+                <a:cs typeface="Lato" panose="020F0502020204030203" pitchFamily="34" charset="0"/>
+              </a:rPr>
+              <a:t>Batch size: number of samples per gradient update</a:t>
+            </a:r>
+          </a:p>
+          <a:p>
+            <a:pPr marL="139700" indent="0">
+              <a:buNone/>
+            </a:pPr>
+            <a:endParaRPr lang="en-US" dirty="0">
+              <a:latin typeface="Lato" panose="020F0502020204030203" pitchFamily="34" charset="0"/>
+              <a:ea typeface="Lato" panose="020F0502020204030203" pitchFamily="34" charset="0"/>
+              <a:cs typeface="Lato" panose="020F0502020204030203" pitchFamily="34" charset="0"/>
+            </a:endParaRPr>
+          </a:p>
+          <a:p>
+            <a:r>
+              <a:rPr lang="en-US" dirty="0">
+                <a:latin typeface="Lato" panose="020F0502020204030203" pitchFamily="34" charset="0"/>
+                <a:ea typeface="Lato" panose="020F0502020204030203" pitchFamily="34" charset="0"/>
+                <a:cs typeface="Lato" panose="020F0502020204030203" pitchFamily="34" charset="0"/>
+              </a:rPr>
+              <a:t>Epochs: Number of iterations over the entire x &amp; y data</a:t>
+            </a:r>
+          </a:p>
+        </p:txBody>
+      </p:sp>
+      <p:sp>
+        <p:nvSpPr>
+          <p:cNvPr id="5" name="Text Placeholder 4">
+            <a:extLst>
+              <a:ext uri="{FF2B5EF4-FFF2-40B4-BE49-F238E27FC236}">
+                <a16:creationId xmlns:a16="http://schemas.microsoft.com/office/drawing/2014/main" id="{688FCFA4-3AFC-43E3-BDFF-8BC89380B5CD}"/>
+              </a:ext>
+            </a:extLst>
+          </p:cNvPr>
+          <p:cNvSpPr>
+            <a:spLocks noGrp="1"/>
+          </p:cNvSpPr>
+          <p:nvPr>
+            <p:ph type="body" idx="2"/>
+          </p:nvPr>
+        </p:nvSpPr>
+        <p:spPr>
+          <a:xfrm>
+            <a:off x="4572001" y="1602675"/>
+            <a:ext cx="4149972" cy="3002400"/>
+          </a:xfrm>
+        </p:spPr>
+        <p:txBody>
+          <a:bodyPr/>
+          <a:lstStyle/>
+          <a:p>
+            <a:pPr marL="139700" indent="0">
+              <a:buNone/>
+            </a:pPr>
+            <a:r>
+              <a:rPr lang="en-US" sz="1200" dirty="0">
+                <a:latin typeface="Consolas" panose="020B0609020204030204" pitchFamily="49" charset="0"/>
+              </a:rPr>
+              <a:t>from </a:t>
+            </a:r>
+            <a:r>
+              <a:rPr lang="en-US" sz="1200" dirty="0" err="1">
+                <a:latin typeface="Consolas" panose="020B0609020204030204" pitchFamily="49" charset="0"/>
+              </a:rPr>
+              <a:t>keras.models</a:t>
+            </a:r>
+            <a:r>
+              <a:rPr lang="en-US" sz="1200" dirty="0">
+                <a:latin typeface="Consolas" panose="020B0609020204030204" pitchFamily="49" charset="0"/>
+              </a:rPr>
+              <a:t> import </a:t>
+            </a:r>
+            <a:r>
+              <a:rPr lang="en-US" sz="1200" dirty="0" err="1">
+                <a:latin typeface="Consolas" panose="020B0609020204030204" pitchFamily="49" charset="0"/>
+              </a:rPr>
+              <a:t>load_model</a:t>
+            </a:r>
+            <a:endParaRPr lang="en-US" sz="1200" dirty="0">
+              <a:latin typeface="Consolas" panose="020B0609020204030204" pitchFamily="49" charset="0"/>
+            </a:endParaRPr>
+          </a:p>
+          <a:p>
+            <a:pPr marL="139700" indent="0">
+              <a:buNone/>
+            </a:pPr>
+            <a:endParaRPr lang="en-US" sz="1200" dirty="0">
+              <a:latin typeface="Consolas" panose="020B0609020204030204" pitchFamily="49" charset="0"/>
+            </a:endParaRPr>
+          </a:p>
+          <a:p>
+            <a:pPr marL="139700" indent="0">
+              <a:buNone/>
+            </a:pPr>
+            <a:r>
+              <a:rPr lang="en-US" sz="1200" dirty="0">
+                <a:latin typeface="Consolas" panose="020B0609020204030204" pitchFamily="49" charset="0"/>
+              </a:rPr>
+              <a:t># save to the local filesystem</a:t>
+            </a:r>
+          </a:p>
+          <a:p>
+            <a:pPr marL="139700" indent="0">
+              <a:buNone/>
+            </a:pPr>
+            <a:r>
+              <a:rPr lang="en-US" sz="1200" dirty="0" err="1">
+                <a:latin typeface="Consolas" panose="020B0609020204030204" pitchFamily="49" charset="0"/>
+              </a:rPr>
+              <a:t>model.save</a:t>
+            </a:r>
+            <a:r>
+              <a:rPr lang="en-US" sz="1200" dirty="0">
+                <a:latin typeface="Consolas" panose="020B0609020204030204" pitchFamily="49" charset="0"/>
+              </a:rPr>
+              <a:t>('/</a:t>
+            </a:r>
+            <a:r>
+              <a:rPr lang="en-US" sz="1200" dirty="0" err="1">
+                <a:latin typeface="Consolas" panose="020B0609020204030204" pitchFamily="49" charset="0"/>
+              </a:rPr>
+              <a:t>tmp</a:t>
+            </a:r>
+            <a:r>
+              <a:rPr lang="en-US" sz="1200" dirty="0">
+                <a:latin typeface="Consolas" panose="020B0609020204030204" pitchFamily="49" charset="0"/>
+              </a:rPr>
+              <a:t>/imdb_lstm_model.h5’) </a:t>
+            </a:r>
+          </a:p>
+          <a:p>
+            <a:pPr marL="139700" indent="0">
+              <a:buNone/>
+            </a:pPr>
+            <a:endParaRPr lang="en-US" sz="1200" dirty="0">
+              <a:latin typeface="Consolas" panose="020B0609020204030204" pitchFamily="49" charset="0"/>
+            </a:endParaRPr>
+          </a:p>
+          <a:p>
+            <a:pPr marL="139700" indent="0">
+              <a:buNone/>
+            </a:pPr>
+            <a:r>
+              <a:rPr lang="en-US" sz="1200" dirty="0">
+                <a:latin typeface="Consolas" panose="020B0609020204030204" pitchFamily="49" charset="0"/>
+              </a:rPr>
+              <a:t># move to a for future use</a:t>
+            </a:r>
+          </a:p>
+          <a:p>
+            <a:pPr marL="139700" indent="0">
+              <a:buNone/>
+            </a:pPr>
+            <a:r>
+              <a:rPr lang="en-US" sz="1200" dirty="0" err="1">
+                <a:latin typeface="Consolas" panose="020B0609020204030204" pitchFamily="49" charset="0"/>
+              </a:rPr>
+              <a:t>dbfs_model_path</a:t>
+            </a:r>
+            <a:r>
+              <a:rPr lang="en-US" sz="1200" dirty="0">
+                <a:latin typeface="Consolas" panose="020B0609020204030204" pitchFamily="49" charset="0"/>
+              </a:rPr>
+              <a:t> = '</a:t>
+            </a:r>
+            <a:r>
+              <a:rPr lang="en-US" sz="1200" dirty="0" err="1">
+                <a:latin typeface="Consolas" panose="020B0609020204030204" pitchFamily="49" charset="0"/>
+              </a:rPr>
+              <a:t>dbfs</a:t>
+            </a:r>
+            <a:r>
+              <a:rPr lang="en-US" sz="1200" dirty="0">
+                <a:latin typeface="Consolas" panose="020B0609020204030204" pitchFamily="49" charset="0"/>
+              </a:rPr>
+              <a:t>:/</a:t>
+            </a:r>
+            <a:r>
+              <a:rPr lang="en-US" sz="1200" dirty="0" err="1">
+                <a:latin typeface="Consolas" panose="020B0609020204030204" pitchFamily="49" charset="0"/>
+              </a:rPr>
+              <a:t>mnt</a:t>
+            </a:r>
+            <a:r>
+              <a:rPr lang="en-US" sz="1200" dirty="0">
+                <a:latin typeface="Consolas" panose="020B0609020204030204" pitchFamily="49" charset="0"/>
+              </a:rPr>
+              <a:t>/general/</a:t>
+            </a:r>
+            <a:r>
+              <a:rPr lang="en-US" sz="1200" dirty="0" err="1">
+                <a:latin typeface="Consolas" panose="020B0609020204030204" pitchFamily="49" charset="0"/>
+              </a:rPr>
+              <a:t>trainedmodels</a:t>
+            </a:r>
+            <a:r>
+              <a:rPr lang="en-US" sz="1200" dirty="0">
+                <a:latin typeface="Consolas" panose="020B0609020204030204" pitchFamily="49" charset="0"/>
+              </a:rPr>
+              <a:t>/dl/imdb_lstm_model.h5’</a:t>
+            </a:r>
+          </a:p>
+          <a:p>
+            <a:pPr marL="139700" indent="0">
+              <a:buNone/>
+            </a:pPr>
+            <a:endParaRPr lang="en-US" sz="1200" dirty="0">
+              <a:latin typeface="Consolas" panose="020B0609020204030204" pitchFamily="49" charset="0"/>
+            </a:endParaRPr>
+          </a:p>
+          <a:p>
+            <a:pPr marL="139700" indent="0">
+              <a:buNone/>
+            </a:pPr>
+            <a:r>
+              <a:rPr lang="en-US" sz="1200" dirty="0" err="1">
+                <a:latin typeface="Consolas" panose="020B0609020204030204" pitchFamily="49" charset="0"/>
+              </a:rPr>
+              <a:t>dbutils.fs.cp</a:t>
+            </a:r>
+            <a:r>
+              <a:rPr lang="en-US" sz="1200" dirty="0">
+                <a:latin typeface="Consolas" panose="020B0609020204030204" pitchFamily="49" charset="0"/>
+              </a:rPr>
+              <a:t>('file:/tmp/imdb_lstm_model.h5', </a:t>
+            </a:r>
+            <a:r>
+              <a:rPr lang="en-US" sz="1200" dirty="0" err="1">
+                <a:latin typeface="Consolas" panose="020B0609020204030204" pitchFamily="49" charset="0"/>
+              </a:rPr>
+              <a:t>dbfs_model_path</a:t>
+            </a:r>
+            <a:r>
+              <a:rPr lang="en-US" sz="1200" dirty="0">
+                <a:latin typeface="Consolas" panose="020B0609020204030204" pitchFamily="49" charset="0"/>
+              </a:rPr>
+              <a:t>) </a:t>
+            </a:r>
+          </a:p>
+        </p:txBody>
+      </p:sp>
+      <p:sp>
+        <p:nvSpPr>
+          <p:cNvPr id="6" name="Rectangle 5">
+            <a:hlinkClick r:id="rId2"/>
+            <a:extLst>
+              <a:ext uri="{FF2B5EF4-FFF2-40B4-BE49-F238E27FC236}">
+                <a16:creationId xmlns:a16="http://schemas.microsoft.com/office/drawing/2014/main" id="{6FBA653F-D5DA-4F28-A94F-437E8B50C623}"/>
+              </a:ext>
+            </a:extLst>
+          </p:cNvPr>
+          <p:cNvSpPr/>
+          <p:nvPr/>
+        </p:nvSpPr>
+        <p:spPr>
+          <a:xfrm>
+            <a:off x="5039360" y="673907"/>
+            <a:ext cx="1554480" cy="439485"/>
+          </a:xfrm>
+          <a:prstGeom prst="rect">
+            <a:avLst/>
+          </a:prstGeom>
+        </p:spPr>
+        <p:style>
+          <a:lnRef idx="2">
+            <a:schemeClr val="dk1">
+              <a:shade val="50000"/>
+            </a:schemeClr>
+          </a:lnRef>
+          <a:fillRef idx="1">
+            <a:schemeClr val="dk1"/>
+          </a:fillRef>
+          <a:effectRef idx="0">
+            <a:schemeClr val="dk1"/>
+          </a:effectRef>
+          <a:fontRef idx="minor">
+            <a:schemeClr val="lt1"/>
+          </a:fontRef>
+        </p:style>
+        <p:txBody>
+          <a:bodyPr rtlCol="0" anchor="ctr"/>
+          <a:lstStyle/>
+          <a:p>
+            <a:pPr algn="ctr"/>
+            <a:r>
+              <a:rPr lang="en-US" dirty="0"/>
+              <a:t>CNN Example</a:t>
+            </a:r>
+          </a:p>
+        </p:txBody>
+      </p:sp>
+      <p:sp>
+        <p:nvSpPr>
+          <p:cNvPr id="7" name="Rectangle 6">
+            <a:hlinkClick r:id="rId3"/>
+            <a:extLst>
+              <a:ext uri="{FF2B5EF4-FFF2-40B4-BE49-F238E27FC236}">
+                <a16:creationId xmlns:a16="http://schemas.microsoft.com/office/drawing/2014/main" id="{251D2124-F17E-4410-BCC7-388B9E270D01}"/>
+              </a:ext>
+            </a:extLst>
+          </p:cNvPr>
+          <p:cNvSpPr/>
+          <p:nvPr/>
+        </p:nvSpPr>
+        <p:spPr>
+          <a:xfrm>
+            <a:off x="6880605" y="673906"/>
+            <a:ext cx="1554480" cy="439485"/>
+          </a:xfrm>
+          <a:prstGeom prst="rect">
+            <a:avLst/>
+          </a:prstGeom>
+        </p:spPr>
+        <p:style>
+          <a:lnRef idx="2">
+            <a:schemeClr val="dk1">
+              <a:shade val="50000"/>
+            </a:schemeClr>
+          </a:lnRef>
+          <a:fillRef idx="1">
+            <a:schemeClr val="dk1"/>
+          </a:fillRef>
+          <a:effectRef idx="0">
+            <a:schemeClr val="dk1"/>
+          </a:effectRef>
+          <a:fontRef idx="minor">
+            <a:schemeClr val="lt1"/>
+          </a:fontRef>
+        </p:style>
+        <p:txBody>
+          <a:bodyPr rtlCol="0" anchor="ctr"/>
+          <a:lstStyle/>
+          <a:p>
+            <a:pPr algn="ctr"/>
+            <a:r>
+              <a:rPr lang="en-US" dirty="0" err="1"/>
+              <a:t>Netron</a:t>
+            </a:r>
+            <a:endParaRPr lang="en-US" dirty="0"/>
+          </a:p>
+        </p:txBody>
+      </p:sp>
+    </p:spTree>
+    <p:extLst>
+      <p:ext uri="{BB962C8B-B14F-4D97-AF65-F5344CB8AC3E}">
+        <p14:creationId xmlns:p14="http://schemas.microsoft.com/office/powerpoint/2010/main" val="3464622838"/>
+      </p:ext>
+    </p:extLst>
+  </p:cSld>
+  <p:clrMapOvr>
+    <a:masterClrMapping/>
+  </p:clrMapOvr>
+</p:sld>
+</file>
+
 <file path=ppt/slides/slide2.xml><?xml version="1.0" encoding="utf-8"?>
 <p:sld xmlns:a="http://schemas.openxmlformats.org/drawingml/2006/main" xmlns:r="http://schemas.openxmlformats.org/officeDocument/2006/relationships" xmlns:p="http://schemas.openxmlformats.org/presentationml/2006/main">
   <p:cSld>
